--- a/AdvOS/PPT+papers/L04-GPU.pptx
+++ b/AdvOS/PPT+papers/L04-GPU.pptx
@@ -289,7 +289,7 @@
             <a:fld id="{21FA232E-0D23-E744-A2E7-48CC2B10A8E9}" type="datetimeFigureOut">
               <a:rPr kumimoji="1" lang="zh-CN" altLang="en-US" smtClean="0"/>
               <a:pPr/>
-              <a:t>2020/4/22</a:t>
+              <a:t>2020/5/13</a:t>
             </a:fld>
             <a:endParaRPr kumimoji="1" lang="zh-CN" altLang="en-US"/>
           </a:p>
@@ -3567,38 +3567,6 @@
           <a:bodyPr/>
           <a:lstStyle/>
           <a:p>
-            <a:r>
-              <a:rPr lang="zh-CN" altLang="en-US" dirty="0"/>
-              <a:t>通过具体化描述几个</a:t>
-            </a:r>
-            <a:r>
-              <a:rPr lang="en-US" altLang="zh-CN" dirty="0"/>
-              <a:t>thread</a:t>
-            </a:r>
-            <a:r>
-              <a:rPr lang="zh-CN" altLang="en-US" dirty="0"/>
-              <a:t>的代码细节，阐述</a:t>
-            </a:r>
-            <a:r>
-              <a:rPr lang="en-US" altLang="zh-CN" dirty="0"/>
-              <a:t>Thread</a:t>
-            </a:r>
-            <a:r>
-              <a:rPr lang="en-US" altLang="zh-CN" baseline="0" dirty="0"/>
-              <a:t> Index</a:t>
-            </a:r>
-            <a:r>
-              <a:rPr lang="zh-CN" altLang="en-US" baseline="0" dirty="0"/>
-              <a:t>在</a:t>
-            </a:r>
-            <a:r>
-              <a:rPr lang="en-US" altLang="zh-CN" baseline="0" dirty="0"/>
-              <a:t>CUDA</a:t>
-            </a:r>
-            <a:r>
-              <a:rPr lang="zh-CN" altLang="en-US" baseline="0" dirty="0"/>
-              <a:t>编程中所起到的重要作用。</a:t>
-            </a:r>
             <a:endParaRPr lang="zh-CN" altLang="en-US" dirty="0"/>
           </a:p>
         </p:txBody>
@@ -4667,7 +4635,7 @@
             <a:fld id="{530820CF-B880-4189-942D-D702A7CBA730}" type="datetimeFigureOut">
               <a:rPr lang="zh-CN" altLang="en-US" smtClean="0"/>
               <a:pPr/>
-              <a:t>2020/4/22</a:t>
+              <a:t>2020/5/13</a:t>
             </a:fld>
             <a:endParaRPr lang="zh-CN" altLang="en-US"/>
           </a:p>
@@ -5000,7 +4968,7 @@
             <a:fld id="{530820CF-B880-4189-942D-D702A7CBA730}" type="datetimeFigureOut">
               <a:rPr lang="zh-CN" altLang="en-US" smtClean="0"/>
               <a:pPr/>
-              <a:t>2020/4/22</a:t>
+              <a:t>2020/5/13</a:t>
             </a:fld>
             <a:endParaRPr lang="zh-CN" altLang="en-US"/>
           </a:p>
@@ -5189,7 +5157,7 @@
             <a:fld id="{530820CF-B880-4189-942D-D702A7CBA730}" type="datetimeFigureOut">
               <a:rPr lang="zh-CN" altLang="en-US" smtClean="0"/>
               <a:pPr/>
-              <a:t>2020/4/22</a:t>
+              <a:t>2020/5/13</a:t>
             </a:fld>
             <a:endParaRPr lang="zh-CN" altLang="en-US"/>
           </a:p>
@@ -5388,7 +5356,7 @@
             <a:fld id="{530820CF-B880-4189-942D-D702A7CBA730}" type="datetimeFigureOut">
               <a:rPr lang="zh-CN" altLang="en-US" smtClean="0"/>
               <a:pPr/>
-              <a:t>2020/4/22</a:t>
+              <a:t>2020/5/13</a:t>
             </a:fld>
             <a:endParaRPr lang="zh-CN" altLang="en-US"/>
           </a:p>
@@ -5641,7 +5609,7 @@
             <a:fld id="{EF50BAF8-1120-4869-B1EC-9D010EF77D65}" type="datetimeFigureOut">
               <a:rPr lang="zh-CN" altLang="en-US" smtClean="0"/>
               <a:pPr/>
-              <a:t>2020/4/22</a:t>
+              <a:t>2020/5/13</a:t>
             </a:fld>
             <a:endParaRPr lang="zh-CN" altLang="en-US"/>
           </a:p>
@@ -5815,7 +5783,7 @@
             <a:fld id="{EF50BAF8-1120-4869-B1EC-9D010EF77D65}" type="datetimeFigureOut">
               <a:rPr lang="zh-CN" altLang="en-US" smtClean="0"/>
               <a:pPr/>
-              <a:t>2020/4/22</a:t>
+              <a:t>2020/5/13</a:t>
             </a:fld>
             <a:endParaRPr lang="zh-CN" altLang="en-US"/>
           </a:p>
@@ -6062,7 +6030,7 @@
             <a:fld id="{EF50BAF8-1120-4869-B1EC-9D010EF77D65}" type="datetimeFigureOut">
               <a:rPr lang="zh-CN" altLang="en-US" smtClean="0"/>
               <a:pPr/>
-              <a:t>2020/4/22</a:t>
+              <a:t>2020/5/13</a:t>
             </a:fld>
             <a:endParaRPr lang="zh-CN" altLang="en-US"/>
           </a:p>
@@ -6349,7 +6317,7 @@
             <a:fld id="{EF50BAF8-1120-4869-B1EC-9D010EF77D65}" type="datetimeFigureOut">
               <a:rPr lang="zh-CN" altLang="en-US" smtClean="0"/>
               <a:pPr/>
-              <a:t>2020/4/22</a:t>
+              <a:t>2020/5/13</a:t>
             </a:fld>
             <a:endParaRPr lang="zh-CN" altLang="en-US"/>
           </a:p>
@@ -6770,7 +6738,7 @@
             <a:fld id="{EF50BAF8-1120-4869-B1EC-9D010EF77D65}" type="datetimeFigureOut">
               <a:rPr lang="zh-CN" altLang="en-US" smtClean="0"/>
               <a:pPr/>
-              <a:t>2020/4/22</a:t>
+              <a:t>2020/5/13</a:t>
             </a:fld>
             <a:endParaRPr lang="zh-CN" altLang="en-US"/>
           </a:p>
@@ -6889,7 +6857,7 @@
             <a:fld id="{EF50BAF8-1120-4869-B1EC-9D010EF77D65}" type="datetimeFigureOut">
               <a:rPr lang="zh-CN" altLang="en-US" smtClean="0"/>
               <a:pPr/>
-              <a:t>2020/4/22</a:t>
+              <a:t>2020/5/13</a:t>
             </a:fld>
             <a:endParaRPr lang="zh-CN" altLang="en-US"/>
           </a:p>
@@ -6986,7 +6954,7 @@
             <a:fld id="{EF50BAF8-1120-4869-B1EC-9D010EF77D65}" type="datetimeFigureOut">
               <a:rPr lang="zh-CN" altLang="en-US" smtClean="0"/>
               <a:pPr/>
-              <a:t>2020/4/22</a:t>
+              <a:t>2020/5/13</a:t>
             </a:fld>
             <a:endParaRPr lang="zh-CN" altLang="en-US"/>
           </a:p>
@@ -7822,7 +7790,7 @@
             <a:fld id="{EF50BAF8-1120-4869-B1EC-9D010EF77D65}" type="datetimeFigureOut">
               <a:rPr lang="zh-CN" altLang="en-US" smtClean="0"/>
               <a:pPr/>
-              <a:t>2020/4/22</a:t>
+              <a:t>2020/5/13</a:t>
             </a:fld>
             <a:endParaRPr lang="zh-CN" altLang="en-US"/>
           </a:p>
@@ -8076,7 +8044,7 @@
             <a:fld id="{EF50BAF8-1120-4869-B1EC-9D010EF77D65}" type="datetimeFigureOut">
               <a:rPr lang="zh-CN" altLang="en-US" smtClean="0"/>
               <a:pPr/>
-              <a:t>2020/4/22</a:t>
+              <a:t>2020/5/13</a:t>
             </a:fld>
             <a:endParaRPr lang="zh-CN" altLang="en-US"/>
           </a:p>
@@ -8246,7 +8214,7 @@
             <a:fld id="{EF50BAF8-1120-4869-B1EC-9D010EF77D65}" type="datetimeFigureOut">
               <a:rPr lang="zh-CN" altLang="en-US" smtClean="0"/>
               <a:pPr/>
-              <a:t>2020/4/22</a:t>
+              <a:t>2020/5/13</a:t>
             </a:fld>
             <a:endParaRPr lang="zh-CN" altLang="en-US"/>
           </a:p>
@@ -8426,7 +8394,7 @@
             <a:fld id="{EF50BAF8-1120-4869-B1EC-9D010EF77D65}" type="datetimeFigureOut">
               <a:rPr lang="zh-CN" altLang="en-US" smtClean="0"/>
               <a:pPr/>
-              <a:t>2020/4/22</a:t>
+              <a:t>2020/5/13</a:t>
             </a:fld>
             <a:endParaRPr lang="zh-CN" altLang="en-US"/>
           </a:p>
@@ -8694,7 +8662,7 @@
             <a:fld id="{530820CF-B880-4189-942D-D702A7CBA730}" type="datetimeFigureOut">
               <a:rPr lang="zh-CN" altLang="en-US" smtClean="0"/>
               <a:pPr/>
-              <a:t>2020/4/22</a:t>
+              <a:t>2020/5/13</a:t>
             </a:fld>
             <a:endParaRPr lang="zh-CN" altLang="en-US"/>
           </a:p>
@@ -9292,7 +9260,7 @@
             <a:fld id="{530820CF-B880-4189-942D-D702A7CBA730}" type="datetimeFigureOut">
               <a:rPr lang="zh-CN" altLang="en-US" smtClean="0"/>
               <a:pPr/>
-              <a:t>2020/4/22</a:t>
+              <a:t>2020/5/13</a:t>
             </a:fld>
             <a:endParaRPr lang="zh-CN" altLang="en-US"/>
           </a:p>
@@ -9566,7 +9534,7 @@
             <a:fld id="{530820CF-B880-4189-942D-D702A7CBA730}" type="datetimeFigureOut">
               <a:rPr lang="zh-CN" altLang="en-US" smtClean="0"/>
               <a:pPr/>
-              <a:t>2020/4/22</a:t>
+              <a:t>2020/5/13</a:t>
             </a:fld>
             <a:endParaRPr lang="zh-CN" altLang="en-US"/>
           </a:p>
@@ -9974,7 +9942,7 @@
             <a:fld id="{530820CF-B880-4189-942D-D702A7CBA730}" type="datetimeFigureOut">
               <a:rPr lang="zh-CN" altLang="en-US" smtClean="0"/>
               <a:pPr/>
-              <a:t>2020/4/22</a:t>
+              <a:t>2020/5/13</a:t>
             </a:fld>
             <a:endParaRPr lang="zh-CN" altLang="en-US"/>
           </a:p>
@@ -10117,7 +10085,7 @@
             <a:fld id="{530820CF-B880-4189-942D-D702A7CBA730}" type="datetimeFigureOut">
               <a:rPr lang="zh-CN" altLang="en-US" smtClean="0"/>
               <a:pPr/>
-              <a:t>2020/4/22</a:t>
+              <a:t>2020/5/13</a:t>
             </a:fld>
             <a:endParaRPr lang="zh-CN" altLang="en-US"/>
           </a:p>
@@ -10233,7 +10201,7 @@
             <a:fld id="{530820CF-B880-4189-942D-D702A7CBA730}" type="datetimeFigureOut">
               <a:rPr lang="zh-CN" altLang="en-US" smtClean="0"/>
               <a:pPr/>
-              <a:t>2020/4/22</a:t>
+              <a:t>2020/5/13</a:t>
             </a:fld>
             <a:endParaRPr lang="zh-CN" altLang="en-US"/>
           </a:p>
@@ -10529,7 +10497,7 @@
             <a:fld id="{530820CF-B880-4189-942D-D702A7CBA730}" type="datetimeFigureOut">
               <a:rPr lang="zh-CN" altLang="en-US" smtClean="0"/>
               <a:pPr/>
-              <a:t>2020/4/22</a:t>
+              <a:t>2020/5/13</a:t>
             </a:fld>
             <a:endParaRPr lang="zh-CN" altLang="en-US"/>
           </a:p>
@@ -11193,7 +11161,7 @@
             <a:fld id="{EF50BAF8-1120-4869-B1EC-9D010EF77D65}" type="datetimeFigureOut">
               <a:rPr lang="zh-CN" altLang="en-US" smtClean="0"/>
               <a:pPr/>
-              <a:t>2020/4/22</a:t>
+              <a:t>2020/5/13</a:t>
             </a:fld>
             <a:endParaRPr lang="zh-CN" altLang="en-US"/>
           </a:p>
@@ -12112,6 +12080,120 @@
           </a:p>
         </p:txBody>
       </p:sp>
+      <p:sp>
+        <p:nvSpPr>
+          <p:cNvPr id="3" name="TextBox 2">
+            <a:extLst>
+              <a:ext uri="{FF2B5EF4-FFF2-40B4-BE49-F238E27FC236}">
+                <a16:creationId xmlns:a16="http://schemas.microsoft.com/office/drawing/2014/main" id="{01C4CC88-E8D3-4C00-B5EC-236FDA86F872}"/>
+              </a:ext>
+            </a:extLst>
+          </p:cNvPr>
+          <p:cNvSpPr txBox="1"/>
+          <p:nvPr/>
+        </p:nvSpPr>
+        <p:spPr>
+          <a:xfrm>
+            <a:off x="5436096" y="1449176"/>
+            <a:ext cx="314883" cy="369332"/>
+          </a:xfrm>
+          <a:prstGeom prst="rect">
+            <a:avLst/>
+          </a:prstGeom>
+          <a:solidFill>
+            <a:schemeClr val="bg1"/>
+          </a:solidFill>
+        </p:spPr>
+        <p:txBody>
+          <a:bodyPr wrap="square" rtlCol="0">
+            <a:spAutoFit/>
+          </a:bodyPr>
+          <a:lstStyle/>
+          <a:p>
+            <a:r>
+              <a:rPr lang="en-US" dirty="0"/>
+              <a:t>C</a:t>
+            </a:r>
+            <a:endParaRPr lang="en-SE" dirty="0"/>
+          </a:p>
+        </p:txBody>
+      </p:sp>
+      <p:sp>
+        <p:nvSpPr>
+          <p:cNvPr id="13" name="TextBox 12">
+            <a:extLst>
+              <a:ext uri="{FF2B5EF4-FFF2-40B4-BE49-F238E27FC236}">
+                <a16:creationId xmlns:a16="http://schemas.microsoft.com/office/drawing/2014/main" id="{1FBC96F4-5204-4619-9B65-ADEBA2D742E3}"/>
+              </a:ext>
+            </a:extLst>
+          </p:cNvPr>
+          <p:cNvSpPr txBox="1"/>
+          <p:nvPr/>
+        </p:nvSpPr>
+        <p:spPr>
+          <a:xfrm>
+            <a:off x="6300192" y="1449176"/>
+            <a:ext cx="314883" cy="369332"/>
+          </a:xfrm>
+          <a:prstGeom prst="rect">
+            <a:avLst/>
+          </a:prstGeom>
+          <a:solidFill>
+            <a:schemeClr val="bg1"/>
+          </a:solidFill>
+        </p:spPr>
+        <p:txBody>
+          <a:bodyPr wrap="square" rtlCol="0">
+            <a:spAutoFit/>
+          </a:bodyPr>
+          <a:lstStyle/>
+          <a:p>
+            <a:r>
+              <a:rPr lang="en-US" dirty="0"/>
+              <a:t>d</a:t>
+            </a:r>
+            <a:endParaRPr lang="en-SE" dirty="0"/>
+          </a:p>
+        </p:txBody>
+      </p:sp>
+      <p:sp>
+        <p:nvSpPr>
+          <p:cNvPr id="14" name="TextBox 13">
+            <a:extLst>
+              <a:ext uri="{FF2B5EF4-FFF2-40B4-BE49-F238E27FC236}">
+                <a16:creationId xmlns:a16="http://schemas.microsoft.com/office/drawing/2014/main" id="{14080278-EED5-43F2-91A9-CF84CE993E25}"/>
+              </a:ext>
+            </a:extLst>
+          </p:cNvPr>
+          <p:cNvSpPr txBox="1"/>
+          <p:nvPr/>
+        </p:nvSpPr>
+        <p:spPr>
+          <a:xfrm>
+            <a:off x="5811811" y="2815094"/>
+            <a:ext cx="314883" cy="369332"/>
+          </a:xfrm>
+          <a:prstGeom prst="rect">
+            <a:avLst/>
+          </a:prstGeom>
+          <a:solidFill>
+            <a:schemeClr val="bg1"/>
+          </a:solidFill>
+        </p:spPr>
+        <p:txBody>
+          <a:bodyPr wrap="square" rtlCol="0">
+            <a:spAutoFit/>
+          </a:bodyPr>
+          <a:lstStyle/>
+          <a:p>
+            <a:r>
+              <a:rPr lang="en-US" dirty="0"/>
+              <a:t>e</a:t>
+            </a:r>
+            <a:endParaRPr lang="en-SE" dirty="0"/>
+          </a:p>
+        </p:txBody>
+      </p:sp>
     </p:spTree>
     <p:extLst>
       <p:ext uri="{BB962C8B-B14F-4D97-AF65-F5344CB8AC3E}">
@@ -13823,7 +13905,7 @@
         </p:spPr>
         <p:txBody>
           <a:bodyPr>
-            <a:normAutofit/>
+            <a:normAutofit lnSpcReduction="10000"/>
           </a:bodyPr>
           <a:lstStyle/>
           <a:p>
@@ -13875,6 +13957,45 @@
               <a:rPr lang="en-US" altLang="zh-CN" dirty="0"/>
               <a:t>warps</a:t>
             </a:r>
+          </a:p>
+          <a:p>
+            <a:r>
+              <a:rPr lang="zh-CN" altLang="en-US" dirty="0"/>
+              <a:t>每个核上同时执行多个</a:t>
+            </a:r>
+            <a:r>
+              <a:rPr lang="en-US" altLang="zh-CN" dirty="0"/>
+              <a:t>warps, </a:t>
+            </a:r>
+            <a:r>
+              <a:rPr lang="zh-CN" altLang="en-US" dirty="0"/>
+              <a:t>在硬件层面频繁切换 </a:t>
+            </a:r>
+            <a:r>
+              <a:rPr lang="en-US" altLang="zh-CN" dirty="0"/>
+              <a:t>(</a:t>
+            </a:r>
+            <a:r>
+              <a:rPr lang="zh-CN" altLang="en-US" dirty="0"/>
+              <a:t>而非</a:t>
+            </a:r>
+            <a:r>
+              <a:rPr lang="en-US" altLang="zh-CN" dirty="0"/>
+              <a:t>OS</a:t>
+            </a:r>
+            <a:r>
+              <a:rPr lang="zh-CN" altLang="en-US" dirty="0"/>
+              <a:t>层面的线程切换</a:t>
+            </a:r>
+            <a:r>
+              <a:rPr lang="en-US" altLang="zh-CN" dirty="0"/>
+              <a:t>)</a:t>
+            </a:r>
+            <a:r>
+              <a:rPr lang="zh-CN" altLang="en-US" dirty="0"/>
+              <a:t>。</a:t>
+            </a:r>
+            <a:endParaRPr lang="en-US" altLang="zh-CN" dirty="0"/>
           </a:p>
         </p:txBody>
       </p:sp>
@@ -14551,8 +14672,8 @@
         </p:nvSpPr>
         <p:spPr>
           <a:xfrm>
-            <a:off x="179512" y="1340768"/>
-            <a:ext cx="8507288" cy="1944216"/>
+            <a:off x="179512" y="1268760"/>
+            <a:ext cx="8507288" cy="2016224"/>
           </a:xfrm>
         </p:spPr>
         <p:txBody>
@@ -14563,7 +14684,7 @@
           <a:p>
             <a:r>
               <a:rPr lang="zh-CN" altLang="en-US" dirty="0"/>
-              <a:t>下图描述了</a:t>
+              <a:t>假设有</a:t>
             </a:r>
             <a:r>
               <a:rPr lang="en-US" altLang="zh-CN" dirty="0"/>
@@ -14575,11 +14696,11 @@
             </a:r>
             <a:r>
               <a:rPr lang="en-US" altLang="zh-CN" dirty="0"/>
-              <a:t>thread block</a:t>
-            </a:r>
-            <a:r>
-              <a:rPr lang="zh-CN" altLang="en-US" dirty="0"/>
-              <a:t>；每个包含</a:t>
+              <a:t>thread blocks</a:t>
+            </a:r>
+            <a:r>
+              <a:rPr lang="zh-CN" altLang="en-US" dirty="0"/>
+              <a:t>，每个包含</a:t>
             </a:r>
             <a:r>
               <a:rPr lang="en-US" altLang="zh-CN" dirty="0"/>
@@ -14691,7 +14812,7 @@
         </p:blipFill>
         <p:spPr bwMode="auto">
           <a:xfrm>
-            <a:off x="179512" y="3564083"/>
+            <a:off x="3491880" y="3635360"/>
             <a:ext cx="2664296" cy="2592044"/>
           </a:xfrm>
           <a:prstGeom prst="rect">
@@ -14732,134 +14853,6 @@
           </a:extLst>
         </p:spPr>
       </p:pic>
-      <p:pic>
-        <p:nvPicPr>
-          <p:cNvPr id="5" name="Picture 2"/>
-          <p:cNvPicPr>
-            <a:picLocks noChangeAspect="1" noChangeArrowheads="1"/>
-          </p:cNvPicPr>
-          <p:nvPr/>
-        </p:nvPicPr>
-        <p:blipFill>
-          <a:blip r:embed="rId3" cstate="print">
-            <a:extLst>
-              <a:ext uri="{28A0092B-C50C-407E-A947-70E740481C1C}">
-                <a14:useLocalDpi xmlns:a14="http://schemas.microsoft.com/office/drawing/2010/main" val="0"/>
-              </a:ext>
-            </a:extLst>
-          </a:blip>
-          <a:srcRect/>
-          <a:stretch>
-            <a:fillRect/>
-          </a:stretch>
-        </p:blipFill>
-        <p:spPr bwMode="auto">
-          <a:xfrm>
-            <a:off x="3131840" y="3564083"/>
-            <a:ext cx="2664296" cy="2592044"/>
-          </a:xfrm>
-          <a:prstGeom prst="rect">
-            <a:avLst/>
-          </a:prstGeom>
-          <a:noFill/>
-          <a:ln>
-            <a:noFill/>
-          </a:ln>
-          <a:effectLst/>
-          <a:extLst>
-            <a:ext uri="{909E8E84-426E-40DD-AFC4-6F175D3DCCD1}">
-              <a14:hiddenFill xmlns:a14="http://schemas.microsoft.com/office/drawing/2010/main">
-                <a:solidFill>
-                  <a:schemeClr val="accent1"/>
-                </a:solidFill>
-              </a14:hiddenFill>
-            </a:ext>
-            <a:ext uri="{91240B29-F687-4F45-9708-019B960494DF}">
-              <a14:hiddenLine xmlns:a14="http://schemas.microsoft.com/office/drawing/2010/main" w="9525">
-                <a:solidFill>
-                  <a:schemeClr val="tx1"/>
-                </a:solidFill>
-                <a:miter lim="800000"/>
-                <a:headEnd/>
-                <a:tailEnd/>
-              </a14:hiddenLine>
-            </a:ext>
-            <a:ext uri="{AF507438-7753-43E0-B8FC-AC1667EBCBE1}">
-              <a14:hiddenEffects xmlns:a14="http://schemas.microsoft.com/office/drawing/2010/main">
-                <a:effectLst>
-                  <a:outerShdw dist="35921" dir="2700000" algn="ctr" rotWithShape="0">
-                    <a:schemeClr val="bg2"/>
-                  </a:outerShdw>
-                </a:effectLst>
-              </a14:hiddenEffects>
-            </a:ext>
-          </a:extLst>
-        </p:spPr>
-      </p:pic>
-      <p:pic>
-        <p:nvPicPr>
-          <p:cNvPr id="6" name="Picture 2"/>
-          <p:cNvPicPr>
-            <a:picLocks noChangeAspect="1" noChangeArrowheads="1"/>
-          </p:cNvPicPr>
-          <p:nvPr/>
-        </p:nvPicPr>
-        <p:blipFill>
-          <a:blip r:embed="rId3" cstate="print">
-            <a:extLst>
-              <a:ext uri="{28A0092B-C50C-407E-A947-70E740481C1C}">
-                <a14:useLocalDpi xmlns:a14="http://schemas.microsoft.com/office/drawing/2010/main" val="0"/>
-              </a:ext>
-            </a:extLst>
-          </a:blip>
-          <a:srcRect/>
-          <a:stretch>
-            <a:fillRect/>
-          </a:stretch>
-        </p:blipFill>
-        <p:spPr bwMode="auto">
-          <a:xfrm>
-            <a:off x="6012160" y="3564083"/>
-            <a:ext cx="2664296" cy="2592044"/>
-          </a:xfrm>
-          <a:prstGeom prst="rect">
-            <a:avLst/>
-          </a:prstGeom>
-          <a:noFill/>
-          <a:ln>
-            <a:noFill/>
-          </a:ln>
-          <a:effectLst/>
-          <a:extLst>
-            <a:ext uri="{909E8E84-426E-40DD-AFC4-6F175D3DCCD1}">
-              <a14:hiddenFill xmlns:a14="http://schemas.microsoft.com/office/drawing/2010/main">
-                <a:solidFill>
-                  <a:schemeClr val="accent1"/>
-                </a:solidFill>
-              </a14:hiddenFill>
-            </a:ext>
-            <a:ext uri="{91240B29-F687-4F45-9708-019B960494DF}">
-              <a14:hiddenLine xmlns:a14="http://schemas.microsoft.com/office/drawing/2010/main" w="9525">
-                <a:solidFill>
-                  <a:schemeClr val="tx1"/>
-                </a:solidFill>
-                <a:miter lim="800000"/>
-                <a:headEnd/>
-                <a:tailEnd/>
-              </a14:hiddenLine>
-            </a:ext>
-            <a:ext uri="{AF507438-7753-43E0-B8FC-AC1667EBCBE1}">
-              <a14:hiddenEffects xmlns:a14="http://schemas.microsoft.com/office/drawing/2010/main">
-                <a:effectLst>
-                  <a:outerShdw dist="35921" dir="2700000" algn="ctr" rotWithShape="0">
-                    <a:schemeClr val="bg2"/>
-                  </a:outerShdw>
-                </a:effectLst>
-              </a14:hiddenEffects>
-            </a:ext>
-          </a:extLst>
-        </p:spPr>
-      </p:pic>
       <p:sp>
         <p:nvSpPr>
           <p:cNvPr id="7" name="矩形 6"/>
@@ -14868,7 +14861,7 @@
         </p:nvSpPr>
         <p:spPr>
           <a:xfrm>
-            <a:off x="539552" y="3185911"/>
+            <a:off x="3851920" y="3257188"/>
             <a:ext cx="1721753" cy="400110"/>
           </a:xfrm>
           <a:prstGeom prst="rect">
@@ -14884,64 +14877,6 @@
             <a:r>
               <a:rPr lang="en-US" altLang="zh-CN" sz="2000" dirty="0"/>
               <a:t>Thread Block 0</a:t>
-            </a:r>
-            <a:endParaRPr lang="zh-CN" altLang="en-US" sz="2000" dirty="0"/>
-          </a:p>
-        </p:txBody>
-      </p:sp>
-      <p:sp>
-        <p:nvSpPr>
-          <p:cNvPr id="8" name="矩形 7"/>
-          <p:cNvSpPr/>
-          <p:nvPr/>
-        </p:nvSpPr>
-        <p:spPr>
-          <a:xfrm>
-            <a:off x="3603111" y="3185911"/>
-            <a:ext cx="1721753" cy="400110"/>
-          </a:xfrm>
-          <a:prstGeom prst="rect">
-            <a:avLst/>
-          </a:prstGeom>
-        </p:spPr>
-        <p:txBody>
-          <a:bodyPr wrap="none">
-            <a:spAutoFit/>
-          </a:bodyPr>
-          <a:lstStyle/>
-          <a:p>
-            <a:r>
-              <a:rPr lang="en-US" altLang="zh-CN" sz="2000" dirty="0"/>
-              <a:t>Thread Block 1</a:t>
-            </a:r>
-            <a:endParaRPr lang="zh-CN" altLang="en-US" sz="2000" dirty="0"/>
-          </a:p>
-        </p:txBody>
-      </p:sp>
-      <p:sp>
-        <p:nvSpPr>
-          <p:cNvPr id="9" name="矩形 8"/>
-          <p:cNvSpPr/>
-          <p:nvPr/>
-        </p:nvSpPr>
-        <p:spPr>
-          <a:xfrm>
-            <a:off x="6588224" y="3185911"/>
-            <a:ext cx="1721753" cy="400110"/>
-          </a:xfrm>
-          <a:prstGeom prst="rect">
-            <a:avLst/>
-          </a:prstGeom>
-        </p:spPr>
-        <p:txBody>
-          <a:bodyPr wrap="none">
-            <a:spAutoFit/>
-          </a:bodyPr>
-          <a:lstStyle/>
-          <a:p>
-            <a:r>
-              <a:rPr lang="en-US" altLang="zh-CN" sz="2000" dirty="0"/>
-              <a:t>Thread Block 2</a:t>
             </a:r>
             <a:endParaRPr lang="zh-CN" altLang="en-US" sz="2000" dirty="0"/>
           </a:p>
@@ -16406,12 +16341,12 @@
         <p:spPr>
           <a:xfrm>
             <a:off x="-1" y="1143000"/>
-            <a:ext cx="8973021" cy="3006080"/>
+            <a:ext cx="8973021" cy="2718048"/>
           </a:xfrm>
         </p:spPr>
         <p:txBody>
           <a:bodyPr>
-            <a:normAutofit fontScale="85000" lnSpcReduction="10000"/>
+            <a:normAutofit fontScale="85000" lnSpcReduction="20000"/>
           </a:bodyPr>
           <a:lstStyle/>
           <a:p>
@@ -16481,7 +16416,7 @@
             <a:pPr lvl="1"/>
             <a:r>
               <a:rPr lang="en-US" altLang="zh-CN" dirty="0"/>
-              <a:t>Global memory: unified address space addressable by pointers to virtual addresses</a:t>
+              <a:t>Global memory (DRAM): unified address space addressable by pointers to virtual addresses</a:t>
             </a:r>
           </a:p>
           <a:p>
@@ -16603,7 +16538,7 @@
         </p:spPr>
         <p:txBody>
           <a:bodyPr>
-            <a:normAutofit fontScale="92500" lnSpcReduction="20000"/>
+            <a:normAutofit fontScale="85000" lnSpcReduction="10000"/>
           </a:bodyPr>
           <a:lstStyle/>
           <a:p>
@@ -16744,7 +16679,7 @@
             </a:r>
             <a:r>
               <a:rPr lang="en-US" altLang="zh-CN" dirty="0"/>
-              <a:t>Host to Host</a:t>
+              <a:t>Host-to-Host</a:t>
             </a:r>
             <a:r>
               <a:rPr lang="zh-CN" altLang="en-US" dirty="0"/>
@@ -16752,7 +16687,7 @@
             </a:r>
             <a:r>
               <a:rPr lang="en-US" altLang="zh-CN" dirty="0"/>
-              <a:t>Host to Device</a:t>
+              <a:t>Host-to-Device</a:t>
             </a:r>
             <a:r>
               <a:rPr lang="zh-CN" altLang="en-US" dirty="0"/>
@@ -16760,7 +16695,7 @@
             </a:r>
             <a:r>
               <a:rPr lang="en-US" altLang="zh-CN" dirty="0"/>
-              <a:t>Device to Host</a:t>
+              <a:t>Device-to-Host</a:t>
             </a:r>
             <a:r>
               <a:rPr lang="zh-CN" altLang="en-US" dirty="0"/>
@@ -16768,7 +16703,13 @@
             </a:r>
             <a:r>
               <a:rPr lang="en-US" altLang="zh-CN" dirty="0"/>
-              <a:t>Device to Device</a:t>
+              <a:t>Device-to-Device</a:t>
+            </a:r>
+          </a:p>
+          <a:p>
+            <a:r>
+              <a:rPr lang="en-US" altLang="zh-CN" b="0" dirty="0"/>
+              <a:t>(Host=CPU, Device = GPU)</a:t>
             </a:r>
             <a:endParaRPr lang="zh-CN" altLang="en-US" b="0" dirty="0"/>
           </a:p>
@@ -16862,6 +16803,14 @@
               <a:rPr lang="en-US" altLang="zh-CN" b="0" dirty="0"/>
               <a:t>__global__ defines a kernel function</a:t>
             </a:r>
+          </a:p>
+          <a:p>
+            <a:pPr lvl="1"/>
+            <a:r>
+              <a:rPr lang="en-US" altLang="zh-CN" dirty="0"/>
+              <a:t>Kernel here refers to “computation kernel”, not “OS kernel”.</a:t>
+            </a:r>
+            <a:endParaRPr lang="en-US" altLang="zh-CN" b="0" dirty="0"/>
           </a:p>
           <a:p>
             <a:r>
@@ -17015,9 +16964,16 @@
             <p:ph idx="1"/>
           </p:nvPr>
         </p:nvSpPr>
-        <p:spPr/>
-        <p:txBody>
-          <a:bodyPr/>
+        <p:spPr>
+          <a:xfrm>
+            <a:off x="457200" y="1143000"/>
+            <a:ext cx="8229600" cy="2144345"/>
+          </a:xfrm>
+        </p:spPr>
+        <p:txBody>
+          <a:bodyPr>
+            <a:normAutofit fontScale="92500" lnSpcReduction="10000"/>
+          </a:bodyPr>
           <a:lstStyle/>
           <a:p>
             <a:r>
@@ -17102,6 +17058,17 @@
             <a:r>
               <a:rPr lang="zh-CN" altLang="en-US" dirty="0"/>
               <a:t>等</a:t>
+            </a:r>
+            <a:endParaRPr lang="en-US" altLang="zh-CN" dirty="0"/>
+          </a:p>
+          <a:p>
+            <a:r>
+              <a:rPr lang="en-US" altLang="zh-CN" dirty="0"/>
+              <a:t>GPU</a:t>
+            </a:r>
+            <a:r>
+              <a:rPr lang="zh-CN" altLang="en-US" dirty="0"/>
+              <a:t>计算属于一种异构计算。</a:t>
             </a:r>
             <a:endParaRPr lang="en-US" altLang="zh-CN" dirty="0"/>
           </a:p>
@@ -18622,7 +18589,7 @@
           <a:p>
             <a:r>
               <a:rPr lang="en-US" altLang="zh-CN" sz="2000" dirty="0"/>
-              <a:t>Add&lt;&lt;&lt;N,1&gt;&gt;&gt;: </a:t>
+              <a:t>Add&lt;&lt;&lt;N,1&gt;&gt;&gt;: kernel launch: </a:t>
             </a:r>
             <a:r>
               <a:rPr lang="zh-CN" altLang="en-US" sz="2000" dirty="0"/>
@@ -19408,12 +19375,89 @@
             <p:ph idx="1"/>
           </p:nvPr>
         </p:nvSpPr>
-        <p:spPr/>
-        <p:txBody>
-          <a:bodyPr/>
-          <a:lstStyle/>
-          <a:p>
-            <a:endParaRPr lang="zh-CN" altLang="en-US"/>
+        <p:spPr>
+          <a:xfrm>
+            <a:off x="457200" y="1340768"/>
+            <a:ext cx="8229600" cy="1296144"/>
+          </a:xfrm>
+        </p:spPr>
+        <p:txBody>
+          <a:bodyPr>
+            <a:normAutofit fontScale="70000" lnSpcReduction="20000"/>
+          </a:bodyPr>
+          <a:lstStyle/>
+          <a:p>
+            <a:r>
+              <a:rPr lang="zh-CN" altLang="en-US" dirty="0"/>
+              <a:t>通过具体化描述几个</a:t>
+            </a:r>
+            <a:r>
+              <a:rPr lang="en-US" altLang="zh-CN" dirty="0"/>
+              <a:t>thread</a:t>
+            </a:r>
+            <a:r>
+              <a:rPr lang="zh-CN" altLang="en-US" dirty="0"/>
+              <a:t>的代码细节，阐述</a:t>
+            </a:r>
+            <a:r>
+              <a:rPr lang="en-US" altLang="zh-CN" dirty="0"/>
+              <a:t>Thread Index</a:t>
+            </a:r>
+            <a:r>
+              <a:rPr lang="zh-CN" altLang="en-US" dirty="0"/>
+              <a:t>在</a:t>
+            </a:r>
+            <a:r>
+              <a:rPr lang="en-US" altLang="zh-CN" dirty="0"/>
+              <a:t>CUDA</a:t>
+            </a:r>
+            <a:r>
+              <a:rPr lang="zh-CN" altLang="en-US" dirty="0"/>
+              <a:t>编程中所起到的重要作用。</a:t>
+            </a:r>
+          </a:p>
+          <a:p>
+            <a:r>
+              <a:rPr lang="zh-CN" altLang="en-US" dirty="0"/>
+              <a:t>多个线程，每个线程有不同的</a:t>
+            </a:r>
+            <a:r>
+              <a:rPr lang="en-US" altLang="zh-CN" dirty="0" err="1"/>
+              <a:t>tid</a:t>
+            </a:r>
+            <a:r>
+              <a:rPr lang="en-US" altLang="zh-CN" dirty="0"/>
+              <a:t>, </a:t>
+            </a:r>
+            <a:r>
+              <a:rPr lang="zh-CN" altLang="en-US" dirty="0"/>
+              <a:t>因此针对不同的</a:t>
+            </a:r>
+            <a:r>
+              <a:rPr lang="en-US" altLang="zh-CN" dirty="0" err="1"/>
+              <a:t>a,b,c</a:t>
+            </a:r>
+            <a:r>
+              <a:rPr lang="en-US" altLang="zh-CN" dirty="0"/>
+              <a:t> array element</a:t>
+            </a:r>
+            <a:r>
+              <a:rPr lang="zh-CN" altLang="en-US" dirty="0"/>
+              <a:t>进行运算，相互之间没有依赖关系。如果可用的硬件核足够多，可以并行执行，大大提高性能。</a:t>
+            </a:r>
+            <a:r>
+              <a:rPr lang="en-US" altLang="zh-CN" dirty="0"/>
+              <a:t>(</a:t>
+            </a:r>
+            <a:r>
+              <a:rPr lang="zh-CN" altLang="en-US" dirty="0"/>
+              <a:t>如果可用的硬件核不足，那么还是串行执行。</a:t>
+            </a:r>
+            <a:r>
+              <a:rPr lang="en-US" altLang="zh-CN" dirty="0"/>
+              <a:t>)</a:t>
+            </a:r>
+            <a:endParaRPr lang="zh-CN" altLang="en-US" dirty="0"/>
           </a:p>
         </p:txBody>
       </p:sp>
@@ -19440,8 +19484,8 @@
         </p:blipFill>
         <p:spPr bwMode="auto">
           <a:xfrm>
-            <a:off x="539552" y="1254410"/>
-            <a:ext cx="7925239" cy="5115558"/>
+            <a:off x="1618582" y="2550347"/>
+            <a:ext cx="5906836" cy="3812725"/>
           </a:xfrm>
           <a:prstGeom prst="rect">
             <a:avLst/>
